--- a/presentation/2.pptx
+++ b/presentation/2.pptx
@@ -5167,12 +5167,6 @@
               </a:rPr>
               <a:t>源码分析与可视化（二）</a:t>
             </a:r>
-            <a:r>
-              <a:rPr lang="en-US" altLang="zh-CN" dirty="0">
-                <a:ea typeface="Yu Gothic UI Semibold" panose="020B0700000000000000" pitchFamily="34" charset="-128"/>
-              </a:rPr>
-              <a:t/>
-            </a:r>
             <a:br>
               <a:rPr lang="en-US" altLang="zh-CN" dirty="0">
                 <a:ea typeface="Yu Gothic UI Semibold" panose="020B0700000000000000" pitchFamily="34" charset="-128"/>
@@ -5374,6 +5368,9 @@
                     <p:cTn id="3" fill="hold">
                       <p:stCondLst>
                         <p:cond delay="indefinite"/>
+                        <p:cond evt="onBegin" delay="0">
+                          <p:tn val="2"/>
+                        </p:cond>
                       </p:stCondLst>
                       <p:childTnLst>
                         <p:par>
@@ -5383,7 +5380,7 @@
                             </p:stCondLst>
                             <p:childTnLst>
                               <p:par>
-                                <p:cTn id="5" presetID="10" presetClass="entr" presetSubtype="0" fill="hold" nodeType="clickEffect">
+                                <p:cTn id="5" presetID="10" presetClass="entr" presetSubtype="0" fill="hold" nodeType="withEffect">
                                   <p:stCondLst>
                                     <p:cond delay="0"/>
                                   </p:stCondLst>
@@ -5575,6 +5572,9 @@
                     <p:cTn id="3" fill="hold">
                       <p:stCondLst>
                         <p:cond delay="indefinite"/>
+                        <p:cond evt="onBegin" delay="0">
+                          <p:tn val="2"/>
+                        </p:cond>
                       </p:stCondLst>
                       <p:childTnLst>
                         <p:par>
@@ -5584,7 +5584,7 @@
                             </p:stCondLst>
                             <p:childTnLst>
                               <p:par>
-                                <p:cTn id="5" presetID="10" presetClass="entr" presetSubtype="0" fill="hold" nodeType="clickEffect">
+                                <p:cTn id="5" presetID="10" presetClass="entr" presetSubtype="0" fill="hold" nodeType="withEffect">
                                   <p:stCondLst>
                                     <p:cond delay="0"/>
                                   </p:stCondLst>
@@ -6193,6 +6193,9 @@
                     <p:cTn id="3" fill="hold">
                       <p:stCondLst>
                         <p:cond delay="indefinite"/>
+                        <p:cond evt="onBegin" delay="0">
+                          <p:tn val="2"/>
+                        </p:cond>
                       </p:stCondLst>
                       <p:childTnLst>
                         <p:par>
@@ -6202,7 +6205,7 @@
                             </p:stCondLst>
                             <p:childTnLst>
                               <p:par>
-                                <p:cTn id="5" presetID="10" presetClass="entr" presetSubtype="0" fill="hold" grpId="0" nodeType="clickEffect">
+                                <p:cTn id="5" presetID="10" presetClass="entr" presetSubtype="0" fill="hold" grpId="0" nodeType="withEffect">
                                   <p:stCondLst>
                                     <p:cond delay="0"/>
                                   </p:stCondLst>
@@ -6210,6 +6213,59 @@
                                     <p:set>
                                       <p:cBhvr>
                                         <p:cTn id="6" dur="1" fill="hold">
+                                          <p:stCondLst>
+                                            <p:cond delay="0"/>
+                                          </p:stCondLst>
+                                        </p:cTn>
+                                        <p:tgtEl>
+                                          <p:spTgt spid="13"/>
+                                        </p:tgtEl>
+                                        <p:attrNameLst>
+                                          <p:attrName>style.visibility</p:attrName>
+                                        </p:attrNameLst>
+                                      </p:cBhvr>
+                                      <p:to>
+                                        <p:strVal val="visible"/>
+                                      </p:to>
+                                    </p:set>
+                                    <p:animEffect transition="in" filter="fade">
+                                      <p:cBhvr>
+                                        <p:cTn id="7" dur="500"/>
+                                        <p:tgtEl>
+                                          <p:spTgt spid="13"/>
+                                        </p:tgtEl>
+                                      </p:cBhvr>
+                                    </p:animEffect>
+                                  </p:childTnLst>
+                                </p:cTn>
+                              </p:par>
+                            </p:childTnLst>
+                          </p:cTn>
+                        </p:par>
+                      </p:childTnLst>
+                    </p:cTn>
+                  </p:par>
+                  <p:par>
+                    <p:cTn id="8" fill="hold">
+                      <p:stCondLst>
+                        <p:cond delay="indefinite"/>
+                      </p:stCondLst>
+                      <p:childTnLst>
+                        <p:par>
+                          <p:cTn id="9" fill="hold">
+                            <p:stCondLst>
+                              <p:cond delay="0"/>
+                            </p:stCondLst>
+                            <p:childTnLst>
+                              <p:par>
+                                <p:cTn id="10" presetID="10" presetClass="entr" presetSubtype="0" fill="hold" grpId="0" nodeType="clickEffect">
+                                  <p:stCondLst>
+                                    <p:cond delay="0"/>
+                                  </p:stCondLst>
+                                  <p:childTnLst>
+                                    <p:set>
+                                      <p:cBhvr>
+                                        <p:cTn id="11" dur="1" fill="hold">
                                           <p:stCondLst>
                                             <p:cond delay="0"/>
                                           </p:stCondLst>
@@ -6227,7 +6283,7 @@
                                     </p:set>
                                     <p:animEffect transition="in" filter="fade">
                                       <p:cBhvr>
-                                        <p:cTn id="7" dur="500"/>
+                                        <p:cTn id="12" dur="500"/>
                                         <p:tgtEl>
                                           <p:spTgt spid="14"/>
                                         </p:tgtEl>
@@ -6264,6 +6320,7 @@
       </p:par>
     </p:tnLst>
     <p:bldLst>
+      <p:bldP spid="13" grpId="0"/>
       <p:bldP spid="14" grpId="0"/>
     </p:bldLst>
   </p:timing>
@@ -7383,6 +7440,9 @@
                     <p:cTn id="3" fill="hold">
                       <p:stCondLst>
                         <p:cond delay="indefinite"/>
+                        <p:cond evt="onBegin" delay="0">
+                          <p:tn val="2"/>
+                        </p:cond>
                       </p:stCondLst>
                       <p:childTnLst>
                         <p:par>
@@ -7392,7 +7452,7 @@
                             </p:stCondLst>
                             <p:childTnLst>
                               <p:par>
-                                <p:cTn id="5" presetID="10" presetClass="entr" presetSubtype="0" fill="hold" grpId="0" nodeType="clickEffect">
+                                <p:cTn id="5" presetID="10" presetClass="entr" presetSubtype="0" fill="hold" grpId="0" nodeType="withEffect">
                                   <p:stCondLst>
                                     <p:cond delay="0"/>
                                   </p:stCondLst>
@@ -7400,6 +7460,59 @@
                                     <p:set>
                                       <p:cBhvr>
                                         <p:cTn id="6" dur="1" fill="hold">
+                                          <p:stCondLst>
+                                            <p:cond delay="0"/>
+                                          </p:stCondLst>
+                                        </p:cTn>
+                                        <p:tgtEl>
+                                          <p:spTgt spid="13"/>
+                                        </p:tgtEl>
+                                        <p:attrNameLst>
+                                          <p:attrName>style.visibility</p:attrName>
+                                        </p:attrNameLst>
+                                      </p:cBhvr>
+                                      <p:to>
+                                        <p:strVal val="visible"/>
+                                      </p:to>
+                                    </p:set>
+                                    <p:animEffect transition="in" filter="fade">
+                                      <p:cBhvr>
+                                        <p:cTn id="7" dur="500"/>
+                                        <p:tgtEl>
+                                          <p:spTgt spid="13"/>
+                                        </p:tgtEl>
+                                      </p:cBhvr>
+                                    </p:animEffect>
+                                  </p:childTnLst>
+                                </p:cTn>
+                              </p:par>
+                            </p:childTnLst>
+                          </p:cTn>
+                        </p:par>
+                      </p:childTnLst>
+                    </p:cTn>
+                  </p:par>
+                  <p:par>
+                    <p:cTn id="8" fill="hold">
+                      <p:stCondLst>
+                        <p:cond delay="indefinite"/>
+                      </p:stCondLst>
+                      <p:childTnLst>
+                        <p:par>
+                          <p:cTn id="9" fill="hold">
+                            <p:stCondLst>
+                              <p:cond delay="0"/>
+                            </p:stCondLst>
+                            <p:childTnLst>
+                              <p:par>
+                                <p:cTn id="10" presetID="10" presetClass="entr" presetSubtype="0" fill="hold" grpId="0" nodeType="clickEffect">
+                                  <p:stCondLst>
+                                    <p:cond delay="0"/>
+                                  </p:stCondLst>
+                                  <p:childTnLst>
+                                    <p:set>
+                                      <p:cBhvr>
+                                        <p:cTn id="11" dur="1" fill="hold">
                                           <p:stCondLst>
                                             <p:cond delay="0"/>
                                           </p:stCondLst>
@@ -7417,7 +7530,7 @@
                                     </p:set>
                                     <p:animEffect transition="in" filter="fade">
                                       <p:cBhvr>
-                                        <p:cTn id="7" dur="500"/>
+                                        <p:cTn id="12" dur="500"/>
                                         <p:tgtEl>
                                           <p:spTgt spid="14"/>
                                         </p:tgtEl>
@@ -7454,6 +7567,7 @@
       </p:par>
     </p:tnLst>
     <p:bldLst>
+      <p:bldP spid="13" grpId="0"/>
       <p:bldP spid="14" grpId="0"/>
     </p:bldLst>
   </p:timing>
@@ -7559,6 +7673,9 @@
                     <p:cTn id="3" fill="hold">
                       <p:stCondLst>
                         <p:cond delay="indefinite"/>
+                        <p:cond evt="onBegin" delay="0">
+                          <p:tn val="2"/>
+                        </p:cond>
                       </p:stCondLst>
                       <p:childTnLst>
                         <p:par>
@@ -7568,7 +7685,7 @@
                             </p:stCondLst>
                             <p:childTnLst>
                               <p:par>
-                                <p:cTn id="5" presetID="10" presetClass="entr" presetSubtype="0" fill="hold" nodeType="clickEffect">
+                                <p:cTn id="5" presetID="10" presetClass="entr" presetSubtype="0" fill="hold" nodeType="withEffect">
                                   <p:stCondLst>
                                     <p:cond delay="0"/>
                                   </p:stCondLst>
@@ -7732,6 +7849,9 @@
                     <p:cTn id="3" fill="hold">
                       <p:stCondLst>
                         <p:cond delay="indefinite"/>
+                        <p:cond evt="onBegin" delay="0">
+                          <p:tn val="2"/>
+                        </p:cond>
                       </p:stCondLst>
                       <p:childTnLst>
                         <p:par>
@@ -7741,7 +7861,7 @@
                             </p:stCondLst>
                             <p:childTnLst>
                               <p:par>
-                                <p:cTn id="5" presetID="10" presetClass="entr" presetSubtype="0" fill="hold" nodeType="clickEffect">
+                                <p:cTn id="5" presetID="10" presetClass="entr" presetSubtype="0" fill="hold" nodeType="withEffect">
                                   <p:stCondLst>
                                     <p:cond delay="0"/>
                                   </p:stCondLst>
@@ -8377,6 +8497,9 @@
                     <p:cTn id="3" fill="hold">
                       <p:stCondLst>
                         <p:cond delay="indefinite"/>
+                        <p:cond evt="onBegin" delay="0">
+                          <p:tn val="2"/>
+                        </p:cond>
                       </p:stCondLst>
                       <p:childTnLst>
                         <p:par>
@@ -8386,7 +8509,7 @@
                             </p:stCondLst>
                             <p:childTnLst>
                               <p:par>
-                                <p:cTn id="5" presetID="10" presetClass="entr" presetSubtype="0" fill="hold" grpId="0" nodeType="clickEffect">
+                                <p:cTn id="5" presetID="10" presetClass="entr" presetSubtype="0" fill="hold" grpId="0" nodeType="withEffect">
                                   <p:stCondLst>
                                     <p:cond delay="0"/>
                                   </p:stCondLst>
@@ -8394,6 +8517,59 @@
                                     <p:set>
                                       <p:cBhvr>
                                         <p:cTn id="6" dur="1" fill="hold">
+                                          <p:stCondLst>
+                                            <p:cond delay="0"/>
+                                          </p:stCondLst>
+                                        </p:cTn>
+                                        <p:tgtEl>
+                                          <p:spTgt spid="13"/>
+                                        </p:tgtEl>
+                                        <p:attrNameLst>
+                                          <p:attrName>style.visibility</p:attrName>
+                                        </p:attrNameLst>
+                                      </p:cBhvr>
+                                      <p:to>
+                                        <p:strVal val="visible"/>
+                                      </p:to>
+                                    </p:set>
+                                    <p:animEffect transition="in" filter="fade">
+                                      <p:cBhvr>
+                                        <p:cTn id="7" dur="500"/>
+                                        <p:tgtEl>
+                                          <p:spTgt spid="13"/>
+                                        </p:tgtEl>
+                                      </p:cBhvr>
+                                    </p:animEffect>
+                                  </p:childTnLst>
+                                </p:cTn>
+                              </p:par>
+                            </p:childTnLst>
+                          </p:cTn>
+                        </p:par>
+                      </p:childTnLst>
+                    </p:cTn>
+                  </p:par>
+                  <p:par>
+                    <p:cTn id="8" fill="hold">
+                      <p:stCondLst>
+                        <p:cond delay="indefinite"/>
+                      </p:stCondLst>
+                      <p:childTnLst>
+                        <p:par>
+                          <p:cTn id="9" fill="hold">
+                            <p:stCondLst>
+                              <p:cond delay="0"/>
+                            </p:stCondLst>
+                            <p:childTnLst>
+                              <p:par>
+                                <p:cTn id="10" presetID="10" presetClass="entr" presetSubtype="0" fill="hold" grpId="0" nodeType="clickEffect">
+                                  <p:stCondLst>
+                                    <p:cond delay="0"/>
+                                  </p:stCondLst>
+                                  <p:childTnLst>
+                                    <p:set>
+                                      <p:cBhvr>
+                                        <p:cTn id="11" dur="1" fill="hold">
                                           <p:stCondLst>
                                             <p:cond delay="0"/>
                                           </p:stCondLst>
@@ -8411,7 +8587,7 @@
                                     </p:set>
                                     <p:animEffect transition="in" filter="fade">
                                       <p:cBhvr>
-                                        <p:cTn id="7" dur="500"/>
+                                        <p:cTn id="12" dur="500"/>
                                         <p:tgtEl>
                                           <p:spTgt spid="3"/>
                                         </p:tgtEl>
@@ -8448,6 +8624,7 @@
       </p:par>
     </p:tnLst>
     <p:bldLst>
+      <p:bldP spid="13" grpId="0"/>
       <p:bldP spid="3" grpId="0"/>
     </p:bldLst>
   </p:timing>
@@ -8553,6 +8730,9 @@
                     <p:cTn id="3" fill="hold">
                       <p:stCondLst>
                         <p:cond delay="indefinite"/>
+                        <p:cond evt="onBegin" delay="0">
+                          <p:tn val="2"/>
+                        </p:cond>
                       </p:stCondLst>
                       <p:childTnLst>
                         <p:par>
@@ -8562,7 +8742,7 @@
                             </p:stCondLst>
                             <p:childTnLst>
                               <p:par>
-                                <p:cTn id="5" presetID="10" presetClass="entr" presetSubtype="0" fill="hold" nodeType="clickEffect">
+                                <p:cTn id="5" presetID="10" presetClass="entr" presetSubtype="0" fill="hold" nodeType="withEffect">
                                   <p:stCondLst>
                                     <p:cond delay="0"/>
                                   </p:stCondLst>
@@ -8754,6 +8934,9 @@
                     <p:cTn id="3" fill="hold">
                       <p:stCondLst>
                         <p:cond delay="indefinite"/>
+                        <p:cond evt="onBegin" delay="0">
+                          <p:tn val="2"/>
+                        </p:cond>
                       </p:stCondLst>
                       <p:childTnLst>
                         <p:par>
@@ -8763,7 +8946,7 @@
                             </p:stCondLst>
                             <p:childTnLst>
                               <p:par>
-                                <p:cTn id="5" presetID="10" presetClass="entr" presetSubtype="0" fill="hold" nodeType="clickEffect">
+                                <p:cTn id="5" presetID="10" presetClass="entr" presetSubtype="0" fill="hold" nodeType="withEffect">
                                   <p:stCondLst>
                                     <p:cond delay="0"/>
                                   </p:stCondLst>
@@ -9561,6 +9744,9 @@
                     <p:cTn id="3" fill="hold">
                       <p:stCondLst>
                         <p:cond delay="indefinite"/>
+                        <p:cond evt="onBegin" delay="0">
+                          <p:tn val="2"/>
+                        </p:cond>
                       </p:stCondLst>
                       <p:childTnLst>
                         <p:par>
@@ -9570,7 +9756,7 @@
                             </p:stCondLst>
                             <p:childTnLst>
                               <p:par>
-                                <p:cTn id="5" presetID="10" presetClass="entr" presetSubtype="0" fill="hold" grpId="0" nodeType="clickEffect">
+                                <p:cTn id="5" presetID="10" presetClass="entr" presetSubtype="0" fill="hold" grpId="0" nodeType="withEffect">
                                   <p:stCondLst>
                                     <p:cond delay="0"/>
                                   </p:stCondLst>
@@ -9578,6 +9764,59 @@
                                     <p:set>
                                       <p:cBhvr>
                                         <p:cTn id="6" dur="1" fill="hold">
+                                          <p:stCondLst>
+                                            <p:cond delay="0"/>
+                                          </p:stCondLst>
+                                        </p:cTn>
+                                        <p:tgtEl>
+                                          <p:spTgt spid="3"/>
+                                        </p:tgtEl>
+                                        <p:attrNameLst>
+                                          <p:attrName>style.visibility</p:attrName>
+                                        </p:attrNameLst>
+                                      </p:cBhvr>
+                                      <p:to>
+                                        <p:strVal val="visible"/>
+                                      </p:to>
+                                    </p:set>
+                                    <p:animEffect transition="in" filter="fade">
+                                      <p:cBhvr>
+                                        <p:cTn id="7" dur="500"/>
+                                        <p:tgtEl>
+                                          <p:spTgt spid="3"/>
+                                        </p:tgtEl>
+                                      </p:cBhvr>
+                                    </p:animEffect>
+                                  </p:childTnLst>
+                                </p:cTn>
+                              </p:par>
+                            </p:childTnLst>
+                          </p:cTn>
+                        </p:par>
+                      </p:childTnLst>
+                    </p:cTn>
+                  </p:par>
+                  <p:par>
+                    <p:cTn id="8" fill="hold">
+                      <p:stCondLst>
+                        <p:cond delay="indefinite"/>
+                      </p:stCondLst>
+                      <p:childTnLst>
+                        <p:par>
+                          <p:cTn id="9" fill="hold">
+                            <p:stCondLst>
+                              <p:cond delay="0"/>
+                            </p:stCondLst>
+                            <p:childTnLst>
+                              <p:par>
+                                <p:cTn id="10" presetID="10" presetClass="entr" presetSubtype="0" fill="hold" grpId="0" nodeType="clickEffect">
+                                  <p:stCondLst>
+                                    <p:cond delay="0"/>
+                                  </p:stCondLst>
+                                  <p:childTnLst>
+                                    <p:set>
+                                      <p:cBhvr>
+                                        <p:cTn id="11" dur="1" fill="hold">
                                           <p:stCondLst>
                                             <p:cond delay="0"/>
                                           </p:stCondLst>
@@ -9595,7 +9834,7 @@
                                     </p:set>
                                     <p:animEffect transition="in" filter="fade">
                                       <p:cBhvr>
-                                        <p:cTn id="7" dur="500"/>
+                                        <p:cTn id="12" dur="500"/>
                                         <p:tgtEl>
                                           <p:spTgt spid="4"/>
                                         </p:tgtEl>
@@ -9632,6 +9871,7 @@
       </p:par>
     </p:tnLst>
     <p:bldLst>
+      <p:bldP spid="3" grpId="0"/>
       <p:bldP spid="4" grpId="0"/>
     </p:bldLst>
   </p:timing>
@@ -9735,6 +9975,9 @@
                     <p:cTn id="3" fill="hold">
                       <p:stCondLst>
                         <p:cond delay="indefinite"/>
+                        <p:cond evt="onBegin" delay="0">
+                          <p:tn val="2"/>
+                        </p:cond>
                       </p:stCondLst>
                       <p:childTnLst>
                         <p:par>
@@ -9744,7 +9987,7 @@
                             </p:stCondLst>
                             <p:childTnLst>
                               <p:par>
-                                <p:cTn id="5" presetID="10" presetClass="entr" presetSubtype="0" fill="hold" nodeType="clickEffect">
+                                <p:cTn id="5" presetID="10" presetClass="entr" presetSubtype="0" fill="hold" nodeType="withEffect">
                                   <p:stCondLst>
                                     <p:cond delay="0"/>
                                   </p:stCondLst>
@@ -9906,6 +10149,9 @@
                     <p:cTn id="3" fill="hold">
                       <p:stCondLst>
                         <p:cond delay="indefinite"/>
+                        <p:cond evt="onBegin" delay="0">
+                          <p:tn val="2"/>
+                        </p:cond>
                       </p:stCondLst>
                       <p:childTnLst>
                         <p:par>
@@ -9915,7 +10161,7 @@
                             </p:stCondLst>
                             <p:childTnLst>
                               <p:par>
-                                <p:cTn id="5" presetID="10" presetClass="entr" presetSubtype="0" fill="hold" nodeType="clickEffect">
+                                <p:cTn id="5" presetID="10" presetClass="entr" presetSubtype="0" fill="hold" nodeType="withEffect">
                                   <p:stCondLst>
                                     <p:cond delay="0"/>
                                   </p:stCondLst>
@@ -10077,6 +10323,9 @@
                     <p:cTn id="3" fill="hold">
                       <p:stCondLst>
                         <p:cond delay="indefinite"/>
+                        <p:cond evt="onBegin" delay="0">
+                          <p:tn val="2"/>
+                        </p:cond>
                       </p:stCondLst>
                       <p:childTnLst>
                         <p:par>
@@ -10086,7 +10335,7 @@
                             </p:stCondLst>
                             <p:childTnLst>
                               <p:par>
-                                <p:cTn id="5" presetID="10" presetClass="entr" presetSubtype="0" fill="hold" nodeType="clickEffect">
+                                <p:cTn id="5" presetID="10" presetClass="entr" presetSubtype="0" fill="hold" nodeType="withEffect">
                                   <p:stCondLst>
                                     <p:cond delay="0"/>
                                   </p:stCondLst>
@@ -10908,7 +11157,7 @@
           <a:graphicData uri="http://schemas.openxmlformats.org/presentationml/2006/ole">
             <mc:AlternateContent xmlns:mc="http://schemas.openxmlformats.org/markup-compatibility/2006">
               <mc:Choice xmlns:v="urn:schemas-microsoft-com:vml" Requires="v">
-                <p:oleObj spid="_x0000_s1048" name="Visio" r:id="rId4" imgW="12992184" imgH="12077772" progId="Visio.Drawing.15">
+                <p:oleObj spid="_x0000_s1051" name="Visio" r:id="rId4" imgW="12992184" imgH="12077772" progId="Visio.Drawing.15">
                   <p:embed/>
                 </p:oleObj>
               </mc:Choice>
@@ -13931,8 +14180,8 @@
         </p:blipFill>
         <p:spPr>
           <a:xfrm>
-            <a:off x="10500401" y="4020683"/>
-            <a:ext cx="1257960" cy="710674"/>
+            <a:off x="10500400" y="3904450"/>
+            <a:ext cx="1562223" cy="826907"/>
           </a:xfrm>
           <a:prstGeom prst="rect">
             <a:avLst/>
@@ -14235,7 +14484,7 @@
                                           </p:stCondLst>
                                         </p:cTn>
                                         <p:tgtEl>
-                                          <p:spTgt spid="6"/>
+                                          <p:spTgt spid="19"/>
                                         </p:tgtEl>
                                         <p:attrNameLst>
                                           <p:attrName>style.visibility</p:attrName>
@@ -14280,7 +14529,7 @@
                                           </p:stCondLst>
                                         </p:cTn>
                                         <p:tgtEl>
-                                          <p:spTgt spid="7"/>
+                                          <p:spTgt spid="6"/>
                                         </p:tgtEl>
                                         <p:attrNameLst>
                                           <p:attrName>style.visibility</p:attrName>
@@ -14325,7 +14574,7 @@
                                           </p:stCondLst>
                                         </p:cTn>
                                         <p:tgtEl>
-                                          <p:spTgt spid="8"/>
+                                          <p:spTgt spid="20"/>
                                         </p:tgtEl>
                                         <p:attrNameLst>
                                           <p:attrName>style.visibility</p:attrName>
@@ -14370,7 +14619,7 @@
                                           </p:stCondLst>
                                         </p:cTn>
                                         <p:tgtEl>
-                                          <p:spTgt spid="9"/>
+                                          <p:spTgt spid="7"/>
                                         </p:tgtEl>
                                         <p:attrNameLst>
                                           <p:attrName>style.visibility</p:attrName>
@@ -14415,7 +14664,7 @@
                                           </p:stCondLst>
                                         </p:cTn>
                                         <p:tgtEl>
-                                          <p:spTgt spid="11"/>
+                                          <p:spTgt spid="21"/>
                                         </p:tgtEl>
                                         <p:attrNameLst>
                                           <p:attrName>style.visibility</p:attrName>
@@ -14460,7 +14709,7 @@
                                           </p:stCondLst>
                                         </p:cTn>
                                         <p:tgtEl>
-                                          <p:spTgt spid="14"/>
+                                          <p:spTgt spid="8"/>
                                         </p:tgtEl>
                                         <p:attrNameLst>
                                           <p:attrName>style.visibility</p:attrName>
@@ -14505,7 +14754,7 @@
                                           </p:stCondLst>
                                         </p:cTn>
                                         <p:tgtEl>
-                                          <p:spTgt spid="15"/>
+                                          <p:spTgt spid="9"/>
                                         </p:tgtEl>
                                         <p:attrNameLst>
                                           <p:attrName>style.visibility</p:attrName>
@@ -14550,7 +14799,7 @@
                                           </p:stCondLst>
                                         </p:cTn>
                                         <p:tgtEl>
-                                          <p:spTgt spid="13"/>
+                                          <p:spTgt spid="10"/>
                                         </p:tgtEl>
                                         <p:attrNameLst>
                                           <p:attrName>style.visibility</p:attrName>
@@ -14595,7 +14844,7 @@
                                           </p:stCondLst>
                                         </p:cTn>
                                         <p:tgtEl>
-                                          <p:spTgt spid="16"/>
+                                          <p:spTgt spid="11"/>
                                         </p:tgtEl>
                                         <p:attrNameLst>
                                           <p:attrName>style.visibility</p:attrName>
@@ -14640,7 +14889,277 @@
                                           </p:stCondLst>
                                         </p:cTn>
                                         <p:tgtEl>
+                                          <p:spTgt spid="14"/>
+                                        </p:tgtEl>
+                                        <p:attrNameLst>
+                                          <p:attrName>style.visibility</p:attrName>
+                                        </p:attrNameLst>
+                                      </p:cBhvr>
+                                      <p:to>
+                                        <p:strVal val="visible"/>
+                                      </p:to>
+                                    </p:set>
+                                  </p:childTnLst>
+                                </p:cTn>
+                              </p:par>
+                            </p:childTnLst>
+                          </p:cTn>
+                        </p:par>
+                      </p:childTnLst>
+                    </p:cTn>
+                  </p:par>
+                  <p:par>
+                    <p:cTn id="59" fill="hold">
+                      <p:stCondLst>
+                        <p:cond delay="indefinite"/>
+                      </p:stCondLst>
+                      <p:childTnLst>
+                        <p:par>
+                          <p:cTn id="60" fill="hold">
+                            <p:stCondLst>
+                              <p:cond delay="0"/>
+                            </p:stCondLst>
+                            <p:childTnLst>
+                              <p:par>
+                                <p:cTn id="61" presetID="1" presetClass="entr" presetSubtype="0" fill="hold" nodeType="clickEffect">
+                                  <p:stCondLst>
+                                    <p:cond delay="0"/>
+                                  </p:stCondLst>
+                                  <p:childTnLst>
+                                    <p:set>
+                                      <p:cBhvr>
+                                        <p:cTn id="62" dur="1" fill="hold">
+                                          <p:stCondLst>
+                                            <p:cond delay="0"/>
+                                          </p:stCondLst>
+                                        </p:cTn>
+                                        <p:tgtEl>
+                                          <p:spTgt spid="12"/>
+                                        </p:tgtEl>
+                                        <p:attrNameLst>
+                                          <p:attrName>style.visibility</p:attrName>
+                                        </p:attrNameLst>
+                                      </p:cBhvr>
+                                      <p:to>
+                                        <p:strVal val="visible"/>
+                                      </p:to>
+                                    </p:set>
+                                  </p:childTnLst>
+                                </p:cTn>
+                              </p:par>
+                            </p:childTnLst>
+                          </p:cTn>
+                        </p:par>
+                      </p:childTnLst>
+                    </p:cTn>
+                  </p:par>
+                  <p:par>
+                    <p:cTn id="63" fill="hold">
+                      <p:stCondLst>
+                        <p:cond delay="indefinite"/>
+                      </p:stCondLst>
+                      <p:childTnLst>
+                        <p:par>
+                          <p:cTn id="64" fill="hold">
+                            <p:stCondLst>
+                              <p:cond delay="0"/>
+                            </p:stCondLst>
+                            <p:childTnLst>
+                              <p:par>
+                                <p:cTn id="65" presetID="1" presetClass="entr" presetSubtype="0" fill="hold" nodeType="clickEffect">
+                                  <p:stCondLst>
+                                    <p:cond delay="0"/>
+                                  </p:stCondLst>
+                                  <p:childTnLst>
+                                    <p:set>
+                                      <p:cBhvr>
+                                        <p:cTn id="66" dur="1" fill="hold">
+                                          <p:stCondLst>
+                                            <p:cond delay="0"/>
+                                          </p:stCondLst>
+                                        </p:cTn>
+                                        <p:tgtEl>
+                                          <p:spTgt spid="15"/>
+                                        </p:tgtEl>
+                                        <p:attrNameLst>
+                                          <p:attrName>style.visibility</p:attrName>
+                                        </p:attrNameLst>
+                                      </p:cBhvr>
+                                      <p:to>
+                                        <p:strVal val="visible"/>
+                                      </p:to>
+                                    </p:set>
+                                  </p:childTnLst>
+                                </p:cTn>
+                              </p:par>
+                            </p:childTnLst>
+                          </p:cTn>
+                        </p:par>
+                      </p:childTnLst>
+                    </p:cTn>
+                  </p:par>
+                  <p:par>
+                    <p:cTn id="67" fill="hold">
+                      <p:stCondLst>
+                        <p:cond delay="indefinite"/>
+                      </p:stCondLst>
+                      <p:childTnLst>
+                        <p:par>
+                          <p:cTn id="68" fill="hold">
+                            <p:stCondLst>
+                              <p:cond delay="0"/>
+                            </p:stCondLst>
+                            <p:childTnLst>
+                              <p:par>
+                                <p:cTn id="69" presetID="1" presetClass="entr" presetSubtype="0" fill="hold" nodeType="clickEffect">
+                                  <p:stCondLst>
+                                    <p:cond delay="0"/>
+                                  </p:stCondLst>
+                                  <p:childTnLst>
+                                    <p:set>
+                                      <p:cBhvr>
+                                        <p:cTn id="70" dur="1" fill="hold">
+                                          <p:stCondLst>
+                                            <p:cond delay="0"/>
+                                          </p:stCondLst>
+                                        </p:cTn>
+                                        <p:tgtEl>
+                                          <p:spTgt spid="13"/>
+                                        </p:tgtEl>
+                                        <p:attrNameLst>
+                                          <p:attrName>style.visibility</p:attrName>
+                                        </p:attrNameLst>
+                                      </p:cBhvr>
+                                      <p:to>
+                                        <p:strVal val="visible"/>
+                                      </p:to>
+                                    </p:set>
+                                  </p:childTnLst>
+                                </p:cTn>
+                              </p:par>
+                            </p:childTnLst>
+                          </p:cTn>
+                        </p:par>
+                      </p:childTnLst>
+                    </p:cTn>
+                  </p:par>
+                  <p:par>
+                    <p:cTn id="71" fill="hold">
+                      <p:stCondLst>
+                        <p:cond delay="indefinite"/>
+                      </p:stCondLst>
+                      <p:childTnLst>
+                        <p:par>
+                          <p:cTn id="72" fill="hold">
+                            <p:stCondLst>
+                              <p:cond delay="0"/>
+                            </p:stCondLst>
+                            <p:childTnLst>
+                              <p:par>
+                                <p:cTn id="73" presetID="1" presetClass="entr" presetSubtype="0" fill="hold" nodeType="clickEffect">
+                                  <p:stCondLst>
+                                    <p:cond delay="0"/>
+                                  </p:stCondLst>
+                                  <p:childTnLst>
+                                    <p:set>
+                                      <p:cBhvr>
+                                        <p:cTn id="74" dur="1" fill="hold">
+                                          <p:stCondLst>
+                                            <p:cond delay="0"/>
+                                          </p:stCondLst>
+                                        </p:cTn>
+                                        <p:tgtEl>
+                                          <p:spTgt spid="16"/>
+                                        </p:tgtEl>
+                                        <p:attrNameLst>
+                                          <p:attrName>style.visibility</p:attrName>
+                                        </p:attrNameLst>
+                                      </p:cBhvr>
+                                      <p:to>
+                                        <p:strVal val="visible"/>
+                                      </p:to>
+                                    </p:set>
+                                  </p:childTnLst>
+                                </p:cTn>
+                              </p:par>
+                            </p:childTnLst>
+                          </p:cTn>
+                        </p:par>
+                      </p:childTnLst>
+                    </p:cTn>
+                  </p:par>
+                  <p:par>
+                    <p:cTn id="75" fill="hold">
+                      <p:stCondLst>
+                        <p:cond delay="indefinite"/>
+                      </p:stCondLst>
+                      <p:childTnLst>
+                        <p:par>
+                          <p:cTn id="76" fill="hold">
+                            <p:stCondLst>
+                              <p:cond delay="0"/>
+                            </p:stCondLst>
+                            <p:childTnLst>
+                              <p:par>
+                                <p:cTn id="77" presetID="1" presetClass="entr" presetSubtype="0" fill="hold" nodeType="clickEffect">
+                                  <p:stCondLst>
+                                    <p:cond delay="0"/>
+                                  </p:stCondLst>
+                                  <p:childTnLst>
+                                    <p:set>
+                                      <p:cBhvr>
+                                        <p:cTn id="78" dur="1" fill="hold">
+                                          <p:stCondLst>
+                                            <p:cond delay="0"/>
+                                          </p:stCondLst>
+                                        </p:cTn>
+                                        <p:tgtEl>
                                           <p:spTgt spid="17"/>
+                                        </p:tgtEl>
+                                        <p:attrNameLst>
+                                          <p:attrName>style.visibility</p:attrName>
+                                        </p:attrNameLst>
+                                      </p:cBhvr>
+                                      <p:to>
+                                        <p:strVal val="visible"/>
+                                      </p:to>
+                                    </p:set>
+                                  </p:childTnLst>
+                                </p:cTn>
+                              </p:par>
+                            </p:childTnLst>
+                          </p:cTn>
+                        </p:par>
+                      </p:childTnLst>
+                    </p:cTn>
+                  </p:par>
+                  <p:par>
+                    <p:cTn id="79" fill="hold">
+                      <p:stCondLst>
+                        <p:cond delay="indefinite"/>
+                      </p:stCondLst>
+                      <p:childTnLst>
+                        <p:par>
+                          <p:cTn id="80" fill="hold">
+                            <p:stCondLst>
+                              <p:cond delay="0"/>
+                            </p:stCondLst>
+                            <p:childTnLst>
+                              <p:par>
+                                <p:cTn id="81" presetID="1" presetClass="entr" presetSubtype="0" fill="hold" nodeType="clickEffect">
+                                  <p:stCondLst>
+                                    <p:cond delay="0"/>
+                                  </p:stCondLst>
+                                  <p:childTnLst>
+                                    <p:set>
+                                      <p:cBhvr>
+                                        <p:cTn id="82" dur="1" fill="hold">
+                                          <p:stCondLst>
+                                            <p:cond delay="0"/>
+                                          </p:stCondLst>
+                                        </p:cTn>
+                                        <p:tgtEl>
+                                          <p:spTgt spid="18"/>
                                         </p:tgtEl>
                                         <p:attrNameLst>
                                           <p:attrName>style.visibility</p:attrName>
